--- a/docs/diagrams/UiComponentClassDiagram.pptx
+++ b/docs/diagrams/UiComponentClassDiagram.pptx
@@ -208,7 +208,7 @@
           <a:p>
             <a:fld id="{F5CC4B3F-88C1-4FFA-B1B6-F41C21DC6924}" type="datetimeFigureOut">
               <a:rPr lang="en-US" smtClean="0"/>
-              <a:t>12/15/2018</a:t>
+              <a:t>28-Feb-19</a:t>
             </a:fld>
             <a:endParaRPr lang="en-US"/>
           </a:p>
@@ -654,7 +654,7 @@
           <a:p>
             <a:fld id="{78C97017-6FC3-485B-9764-EAC9E56C1D49}" type="datetimeFigureOut">
               <a:rPr lang="en-US" smtClean="0"/>
-              <a:t>12/15/2018</a:t>
+              <a:t>28-Feb-19</a:t>
             </a:fld>
             <a:endParaRPr lang="en-US"/>
           </a:p>
@@ -822,7 +822,7 @@
           <a:p>
             <a:fld id="{78C97017-6FC3-485B-9764-EAC9E56C1D49}" type="datetimeFigureOut">
               <a:rPr lang="en-US" smtClean="0"/>
-              <a:t>12/15/2018</a:t>
+              <a:t>28-Feb-19</a:t>
             </a:fld>
             <a:endParaRPr lang="en-US"/>
           </a:p>
@@ -1000,7 +1000,7 @@
           <a:p>
             <a:fld id="{78C97017-6FC3-485B-9764-EAC9E56C1D49}" type="datetimeFigureOut">
               <a:rPr lang="en-US" smtClean="0"/>
-              <a:t>12/15/2018</a:t>
+              <a:t>28-Feb-19</a:t>
             </a:fld>
             <a:endParaRPr lang="en-US"/>
           </a:p>
@@ -1168,7 +1168,7 @@
           <a:p>
             <a:fld id="{78C97017-6FC3-485B-9764-EAC9E56C1D49}" type="datetimeFigureOut">
               <a:rPr lang="en-US" smtClean="0"/>
-              <a:t>12/15/2018</a:t>
+              <a:t>28-Feb-19</a:t>
             </a:fld>
             <a:endParaRPr lang="en-US"/>
           </a:p>
@@ -1413,7 +1413,7 @@
           <a:p>
             <a:fld id="{78C97017-6FC3-485B-9764-EAC9E56C1D49}" type="datetimeFigureOut">
               <a:rPr lang="en-US" smtClean="0"/>
-              <a:t>12/15/2018</a:t>
+              <a:t>28-Feb-19</a:t>
             </a:fld>
             <a:endParaRPr lang="en-US"/>
           </a:p>
@@ -1698,7 +1698,7 @@
           <a:p>
             <a:fld id="{78C97017-6FC3-485B-9764-EAC9E56C1D49}" type="datetimeFigureOut">
               <a:rPr lang="en-US" smtClean="0"/>
-              <a:t>12/15/2018</a:t>
+              <a:t>28-Feb-19</a:t>
             </a:fld>
             <a:endParaRPr lang="en-US"/>
           </a:p>
@@ -2117,7 +2117,7 @@
           <a:p>
             <a:fld id="{78C97017-6FC3-485B-9764-EAC9E56C1D49}" type="datetimeFigureOut">
               <a:rPr lang="en-US" smtClean="0"/>
-              <a:t>12/15/2018</a:t>
+              <a:t>28-Feb-19</a:t>
             </a:fld>
             <a:endParaRPr lang="en-US"/>
           </a:p>
@@ -2234,7 +2234,7 @@
           <a:p>
             <a:fld id="{78C97017-6FC3-485B-9764-EAC9E56C1D49}" type="datetimeFigureOut">
               <a:rPr lang="en-US" smtClean="0"/>
-              <a:t>12/15/2018</a:t>
+              <a:t>28-Feb-19</a:t>
             </a:fld>
             <a:endParaRPr lang="en-US"/>
           </a:p>
@@ -2329,7 +2329,7 @@
           <a:p>
             <a:fld id="{78C97017-6FC3-485B-9764-EAC9E56C1D49}" type="datetimeFigureOut">
               <a:rPr lang="en-US" smtClean="0"/>
-              <a:t>12/15/2018</a:t>
+              <a:t>28-Feb-19</a:t>
             </a:fld>
             <a:endParaRPr lang="en-US"/>
           </a:p>
@@ -2604,7 +2604,7 @@
           <a:p>
             <a:fld id="{78C97017-6FC3-485B-9764-EAC9E56C1D49}" type="datetimeFigureOut">
               <a:rPr lang="en-US" smtClean="0"/>
-              <a:t>12/15/2018</a:t>
+              <a:t>28-Feb-19</a:t>
             </a:fld>
             <a:endParaRPr lang="en-US"/>
           </a:p>
@@ -2856,7 +2856,7 @@
           <a:p>
             <a:fld id="{78C97017-6FC3-485B-9764-EAC9E56C1D49}" type="datetimeFigureOut">
               <a:rPr lang="en-US" smtClean="0"/>
-              <a:t>12/15/2018</a:t>
+              <a:t>28-Feb-19</a:t>
             </a:fld>
             <a:endParaRPr lang="en-US"/>
           </a:p>
@@ -3067,7 +3067,7 @@
           <a:p>
             <a:fld id="{78C97017-6FC3-485B-9764-EAC9E56C1D49}" type="datetimeFigureOut">
               <a:rPr lang="en-US" smtClean="0"/>
-              <a:t>12/15/2018</a:t>
+              <a:t>28-Feb-19</a:t>
             </a:fld>
             <a:endParaRPr lang="en-US"/>
           </a:p>
@@ -3450,8 +3450,8 @@
         </p:nvSpPr>
         <p:spPr>
           <a:xfrm>
-            <a:off x="1217465" y="1447800"/>
-            <a:ext cx="4917083" cy="3962400"/>
+            <a:off x="1217465" y="428918"/>
+            <a:ext cx="4917083" cy="6200479"/>
           </a:xfrm>
           <a:prstGeom prst="roundRect">
             <a:avLst>
@@ -3512,7 +3512,7 @@
         </p:nvSpPr>
         <p:spPr>
           <a:xfrm>
-            <a:off x="2095948" y="2341220"/>
+            <a:off x="2095948" y="1350621"/>
             <a:ext cx="1093635" cy="346760"/>
           </a:xfrm>
           <a:prstGeom prst="rect">
@@ -3572,7 +3572,7 @@
         </p:nvSpPr>
         <p:spPr>
           <a:xfrm>
-            <a:off x="2592528" y="2971800"/>
+            <a:off x="2592528" y="1981201"/>
             <a:ext cx="1093635" cy="236841"/>
           </a:xfrm>
           <a:prstGeom prst="rect">
@@ -3632,7 +3632,7 @@
         </p:nvSpPr>
         <p:spPr>
           <a:xfrm>
-            <a:off x="2092842" y="1770924"/>
+            <a:off x="2092842" y="780325"/>
             <a:ext cx="1093635" cy="346760"/>
           </a:xfrm>
           <a:prstGeom prst="rect">
@@ -3694,7 +3694,7 @@
         </p:nvCxnSpPr>
         <p:spPr>
           <a:xfrm rot="16200000" flipH="1">
-            <a:off x="2529445" y="2227899"/>
+            <a:off x="2529445" y="1237300"/>
             <a:ext cx="223536" cy="3106"/>
           </a:xfrm>
           <a:prstGeom prst="bentConnector3">
@@ -3734,7 +3734,7 @@
         </p:nvSpPr>
         <p:spPr>
           <a:xfrm rot="10800000" flipV="1">
-            <a:off x="5394717" y="2110477"/>
+            <a:off x="5394717" y="1119878"/>
             <a:ext cx="270504" cy="175523"/>
           </a:xfrm>
           <a:prstGeom prst="triangle">
@@ -3825,7 +3825,7 @@
         </p:nvSpPr>
         <p:spPr>
           <a:xfrm rot="16200000">
-            <a:off x="5703829" y="2464877"/>
+            <a:off x="5703829" y="1474278"/>
             <a:ext cx="2362201" cy="328045"/>
           </a:xfrm>
           <a:prstGeom prst="roundRect">
@@ -3879,13 +3879,13 @@
       </p:sp>
       <p:sp>
         <p:nvSpPr>
-          <p:cNvPr id="34" name="Rectangle 11"/>
+          <p:cNvPr id="35" name="Rectangle 11"/>
           <p:cNvSpPr/>
           <p:nvPr/>
         </p:nvSpPr>
         <p:spPr>
           <a:xfrm>
-            <a:off x="2592528" y="3649359"/>
+            <a:off x="2590799" y="5332209"/>
             <a:ext cx="1093635" cy="236841"/>
           </a:xfrm>
           <a:prstGeom prst="rect">
@@ -3925,7 +3925,7 @@
                   </a:schemeClr>
                 </a:solidFill>
               </a:rPr>
-              <a:t>BrowserPanel</a:t>
+              <a:t>StatusBarFooter</a:t>
             </a:r>
             <a:endParaRPr lang="en-SG" sz="1050" b="1" dirty="0">
               <a:solidFill>
@@ -3939,14 +3939,14 @@
       </p:sp>
       <p:sp>
         <p:nvSpPr>
-          <p:cNvPr id="35" name="Rectangle 11"/>
+          <p:cNvPr id="36" name="Rectangle 11"/>
           <p:cNvSpPr/>
           <p:nvPr/>
         </p:nvSpPr>
         <p:spPr>
           <a:xfrm>
-            <a:off x="2592527" y="4563759"/>
-            <a:ext cx="1093635" cy="236841"/>
+            <a:off x="2592526" y="2691716"/>
+            <a:ext cx="1293674" cy="237485"/>
           </a:xfrm>
           <a:prstGeom prst="rect">
             <a:avLst/>
@@ -3985,7 +3985,7 @@
                   </a:schemeClr>
                 </a:solidFill>
               </a:rPr>
-              <a:t>StatusBarFooter</a:t>
+              <a:t>VolunteerListPanel</a:t>
             </a:r>
             <a:endParaRPr lang="en-SG" sz="1050" b="1" dirty="0">
               <a:solidFill>
@@ -3999,14 +3999,14 @@
       </p:sp>
       <p:sp>
         <p:nvSpPr>
-          <p:cNvPr id="36" name="Rectangle 11"/>
+          <p:cNvPr id="37" name="Rectangle 11"/>
           <p:cNvSpPr/>
           <p:nvPr/>
         </p:nvSpPr>
         <p:spPr>
           <a:xfrm>
-            <a:off x="2592526" y="3991960"/>
-            <a:ext cx="1093635" cy="236841"/>
+            <a:off x="3839323" y="3002208"/>
+            <a:ext cx="1040906" cy="236841"/>
           </a:xfrm>
           <a:prstGeom prst="rect">
             <a:avLst/>
@@ -4045,7 +4045,7 @@
                   </a:schemeClr>
                 </a:solidFill>
               </a:rPr>
-              <a:t>PersonListPanel</a:t>
+              <a:t>VolunteerCard</a:t>
             </a:r>
             <a:endParaRPr lang="en-SG" sz="1050" b="1" dirty="0">
               <a:solidFill>
@@ -4059,14 +4059,14 @@
       </p:sp>
       <p:sp>
         <p:nvSpPr>
-          <p:cNvPr id="37" name="Rectangle 11"/>
+          <p:cNvPr id="38" name="Rectangle 11"/>
           <p:cNvSpPr/>
           <p:nvPr/>
         </p:nvSpPr>
         <p:spPr>
           <a:xfrm>
-            <a:off x="3839323" y="4228801"/>
-            <a:ext cx="1040906" cy="236841"/>
+            <a:off x="2577596" y="5685867"/>
+            <a:ext cx="1093635" cy="236841"/>
           </a:xfrm>
           <a:prstGeom prst="rect">
             <a:avLst/>
@@ -4105,7 +4105,7 @@
                   </a:schemeClr>
                 </a:solidFill>
               </a:rPr>
-              <a:t>PersonCard</a:t>
+              <a:t>HelpWindow</a:t>
             </a:r>
             <a:endParaRPr lang="en-SG" sz="1050" b="1" dirty="0">
               <a:solidFill>
@@ -4119,73 +4119,13 @@
       </p:sp>
       <p:sp>
         <p:nvSpPr>
-          <p:cNvPr id="38" name="Rectangle 11"/>
-          <p:cNvSpPr/>
-          <p:nvPr/>
-        </p:nvSpPr>
-        <p:spPr>
-          <a:xfrm>
-            <a:off x="2592528" y="4966000"/>
-            <a:ext cx="1093635" cy="236841"/>
-          </a:xfrm>
-          <a:prstGeom prst="rect">
-            <a:avLst/>
-          </a:prstGeom>
-          <a:ln w="19050">
-            <a:solidFill>
-              <a:schemeClr val="accent3"/>
-            </a:solidFill>
-          </a:ln>
-          <a:effectLst/>
-        </p:spPr>
-        <p:style>
-          <a:lnRef idx="1">
-            <a:schemeClr val="accent3"/>
-          </a:lnRef>
-          <a:fillRef idx="2">
-            <a:schemeClr val="accent3"/>
-          </a:fillRef>
-          <a:effectRef idx="1">
-            <a:schemeClr val="accent3"/>
-          </a:effectRef>
-          <a:fontRef idx="minor">
-            <a:schemeClr val="dk1"/>
-          </a:fontRef>
-        </p:style>
-        <p:txBody>
-          <a:bodyPr rtlCol="0" anchor="ctr"/>
-          <a:lstStyle/>
-          <a:p>
-            <a:pPr algn="ctr"/>
-            <a:r>
-              <a:rPr lang="en-US" sz="1050" b="1" dirty="0" err="1">
-                <a:solidFill>
-                  <a:schemeClr val="accent3">
-                    <a:lumMod val="75000"/>
-                  </a:schemeClr>
-                </a:solidFill>
-              </a:rPr>
-              <a:t>HelpWindow</a:t>
-            </a:r>
-            <a:endParaRPr lang="en-SG" sz="1050" b="1" dirty="0">
-              <a:solidFill>
-                <a:schemeClr val="accent3">
-                  <a:lumMod val="75000"/>
-                </a:schemeClr>
-              </a:solidFill>
-            </a:endParaRPr>
-          </a:p>
-        </p:txBody>
-      </p:sp>
-      <p:sp>
-        <p:nvSpPr>
           <p:cNvPr id="39" name="Flowchart: Decision 38"/>
           <p:cNvSpPr/>
           <p:nvPr/>
         </p:nvSpPr>
         <p:spPr>
           <a:xfrm>
-            <a:off x="2324548" y="2706452"/>
+            <a:off x="2324548" y="1715853"/>
             <a:ext cx="183156" cy="161573"/>
           </a:xfrm>
           <a:prstGeom prst="flowChartDecision">
@@ -4236,7 +4176,7 @@
         </p:nvCxnSpPr>
         <p:spPr>
           <a:xfrm rot="16200000" flipH="1">
-            <a:off x="2393229" y="2890922"/>
+            <a:off x="2393229" y="1900323"/>
             <a:ext cx="222196" cy="176402"/>
           </a:xfrm>
           <a:prstGeom prst="bentConnector2">
@@ -4274,7 +4214,7 @@
         </p:nvSpPr>
         <p:spPr>
           <a:xfrm>
-            <a:off x="2590799" y="3304308"/>
+            <a:off x="2590799" y="2313709"/>
             <a:ext cx="1095361" cy="236841"/>
           </a:xfrm>
           <a:prstGeom prst="rect">
@@ -4328,49 +4268,9 @@
       </p:sp>
       <p:cxnSp>
         <p:nvCxnSpPr>
-          <p:cNvPr id="44" name="Elbow Connector 63"/>
-          <p:cNvCxnSpPr>
-            <a:stCxn id="39" idx="2"/>
-            <a:endCxn id="34" idx="1"/>
-          </p:cNvCxnSpPr>
-          <p:nvPr/>
-        </p:nvCxnSpPr>
-        <p:spPr>
-          <a:xfrm rot="16200000" flipH="1">
-            <a:off x="2054450" y="3229701"/>
-            <a:ext cx="899755" cy="176402"/>
-          </a:xfrm>
-          <a:prstGeom prst="bentConnector2">
-            <a:avLst/>
-          </a:prstGeom>
-          <a:ln w="19050">
-            <a:solidFill>
-              <a:schemeClr val="accent3"/>
-            </a:solidFill>
-            <a:headEnd type="none" w="med" len="med"/>
-            <a:tailEnd type="arrow" w="med" len="med"/>
-          </a:ln>
-          <a:effectLst/>
-        </p:spPr>
-        <p:style>
-          <a:lnRef idx="1">
-            <a:schemeClr val="accent2"/>
-          </a:lnRef>
-          <a:fillRef idx="2">
-            <a:schemeClr val="accent2"/>
-          </a:fillRef>
-          <a:effectRef idx="1">
-            <a:schemeClr val="accent2"/>
-          </a:effectRef>
-          <a:fontRef idx="minor">
-            <a:schemeClr val="dk1"/>
-          </a:fontRef>
-        </p:style>
-      </p:cxnSp>
-      <p:cxnSp>
-        <p:nvCxnSpPr>
           <p:cNvPr id="47" name="Elbow Connector 63"/>
           <p:cNvCxnSpPr>
+            <a:cxnSpLocks/>
             <a:stCxn id="39" idx="2"/>
             <a:endCxn id="36" idx="1"/>
           </p:cNvCxnSpPr>
@@ -4378,8 +4278,8 @@
         </p:nvCxnSpPr>
         <p:spPr>
           <a:xfrm rot="16200000" flipH="1">
-            <a:off x="1883148" y="3401003"/>
-            <a:ext cx="1242356" cy="176400"/>
+            <a:off x="2037810" y="2255742"/>
+            <a:ext cx="933033" cy="176400"/>
           </a:xfrm>
           <a:prstGeom prst="bentConnector2">
             <a:avLst/>
@@ -4419,8 +4319,8 @@
         </p:nvCxnSpPr>
         <p:spPr>
           <a:xfrm rot="16200000" flipH="1">
-            <a:off x="1597249" y="3686901"/>
-            <a:ext cx="1814155" cy="176401"/>
+            <a:off x="716860" y="3576691"/>
+            <a:ext cx="3573204" cy="174673"/>
           </a:xfrm>
           <a:prstGeom prst="bentConnector2">
             <a:avLst/>
@@ -4453,14 +4353,15 @@
         <p:nvCxnSpPr>
           <p:cNvPr id="53" name="Elbow Connector 63"/>
           <p:cNvCxnSpPr>
+            <a:cxnSpLocks/>
             <a:endCxn id="38" idx="1"/>
           </p:cNvCxnSpPr>
           <p:nvPr/>
         </p:nvCxnSpPr>
         <p:spPr>
           <a:xfrm rot="16200000" flipH="1">
-            <a:off x="1184119" y="3676012"/>
-            <a:ext cx="2396440" cy="420377"/>
+            <a:off x="349904" y="3576595"/>
+            <a:ext cx="4106905" cy="348479"/>
           </a:xfrm>
           <a:prstGeom prst="bentConnector2">
             <a:avLst/>
@@ -4497,7 +4398,7 @@
         </p:nvSpPr>
         <p:spPr>
           <a:xfrm>
-            <a:off x="5143948" y="1770924"/>
+            <a:off x="5143948" y="780325"/>
             <a:ext cx="772043" cy="346760"/>
           </a:xfrm>
           <a:prstGeom prst="rect">
@@ -4579,7 +4480,7 @@
         </p:nvCxnSpPr>
         <p:spPr>
           <a:xfrm flipV="1">
-            <a:off x="3686160" y="2286000"/>
+            <a:off x="3686160" y="1295401"/>
             <a:ext cx="1843809" cy="1136729"/>
           </a:xfrm>
           <a:prstGeom prst="bentConnector2">
@@ -4620,49 +4521,8 @@
         </p:nvCxnSpPr>
         <p:spPr>
           <a:xfrm rot="5400000">
-            <a:off x="4174488" y="2991741"/>
-            <a:ext cx="2061222" cy="649740"/>
-          </a:xfrm>
-          <a:prstGeom prst="bentConnector2">
-            <a:avLst/>
-          </a:prstGeom>
-          <a:ln w="6350">
-            <a:solidFill>
-              <a:schemeClr val="accent3"/>
-            </a:solidFill>
-            <a:headEnd type="none" w="med" len="med"/>
-            <a:tailEnd type="none" w="med" len="med"/>
-          </a:ln>
-          <a:effectLst/>
-        </p:spPr>
-        <p:style>
-          <a:lnRef idx="1">
-            <a:schemeClr val="accent2"/>
-          </a:lnRef>
-          <a:fillRef idx="2">
-            <a:schemeClr val="accent2"/>
-          </a:fillRef>
-          <a:effectRef idx="1">
-            <a:schemeClr val="accent2"/>
-          </a:effectRef>
-          <a:fontRef idx="minor">
-            <a:schemeClr val="dk1"/>
-          </a:fontRef>
-        </p:style>
-      </p:cxnSp>
-      <p:cxnSp>
-        <p:nvCxnSpPr>
-          <p:cNvPr id="82" name="Elbow Connector 63"/>
-          <p:cNvCxnSpPr>
-            <a:stCxn id="16" idx="3"/>
-            <a:endCxn id="34" idx="3"/>
-          </p:cNvCxnSpPr>
-          <p:nvPr/>
-        </p:nvCxnSpPr>
-        <p:spPr>
-          <a:xfrm rot="5400000">
-            <a:off x="3867176" y="2104987"/>
-            <a:ext cx="1481780" cy="1843806"/>
+            <a:off x="4292485" y="1883145"/>
+            <a:ext cx="1825228" cy="649740"/>
           </a:xfrm>
           <a:prstGeom prst="bentConnector2">
             <a:avLst/>
@@ -4702,7 +4562,7 @@
         </p:nvCxnSpPr>
         <p:spPr>
           <a:xfrm flipV="1">
-            <a:off x="3189583" y="2286000"/>
+            <a:off x="3189583" y="1295401"/>
             <a:ext cx="2340386" cy="228600"/>
           </a:xfrm>
           <a:prstGeom prst="bentConnector2">
@@ -4743,8 +4603,8 @@
         </p:nvCxnSpPr>
         <p:spPr>
           <a:xfrm rot="5400000">
-            <a:off x="3409976" y="2562187"/>
-            <a:ext cx="2396180" cy="1843807"/>
+            <a:off x="2529588" y="2450248"/>
+            <a:ext cx="4155229" cy="1845535"/>
           </a:xfrm>
           <a:prstGeom prst="bentConnector2">
             <a:avLst/>
@@ -4784,8 +4644,8 @@
         </p:nvCxnSpPr>
         <p:spPr>
           <a:xfrm rot="5400000">
-            <a:off x="3208856" y="2763307"/>
-            <a:ext cx="2798421" cy="1843806"/>
+            <a:off x="2346157" y="2620475"/>
+            <a:ext cx="4508887" cy="1858738"/>
           </a:xfrm>
           <a:prstGeom prst="bentConnector2">
             <a:avLst/>
@@ -4824,7 +4684,7 @@
         </p:nvCxnSpPr>
         <p:spPr>
           <a:xfrm rot="5400000" flipH="1" flipV="1">
-            <a:off x="4594921" y="-355061"/>
+            <a:off x="4594921" y="-1345660"/>
             <a:ext cx="170724" cy="4081246"/>
           </a:xfrm>
           <a:prstGeom prst="bentConnector2">
@@ -4863,8 +4723,8 @@
         </p:nvSpPr>
         <p:spPr>
           <a:xfrm rot="16200000">
-            <a:off x="6213739" y="4560376"/>
-            <a:ext cx="1371599" cy="328045"/>
+            <a:off x="5908939" y="3874576"/>
+            <a:ext cx="1981200" cy="328045"/>
           </a:xfrm>
           <a:prstGeom prst="roundRect">
             <a:avLst/>
@@ -4923,7 +4783,7 @@
         </p:nvSpPr>
         <p:spPr>
           <a:xfrm rot="16200000">
-            <a:off x="956202" y="2861202"/>
+            <a:off x="956202" y="1870603"/>
             <a:ext cx="1093635" cy="346760"/>
           </a:xfrm>
           <a:prstGeom prst="rect">
@@ -4993,7 +4853,7 @@
         </p:nvSpPr>
         <p:spPr>
           <a:xfrm flipV="1">
-            <a:off x="1367767" y="2286001"/>
+            <a:off x="1367767" y="1295402"/>
             <a:ext cx="270504" cy="175523"/>
           </a:xfrm>
           <a:prstGeom prst="triangle">
@@ -5044,7 +4904,7 @@
         </p:nvCxnSpPr>
         <p:spPr>
           <a:xfrm rot="10800000" flipV="1">
-            <a:off x="1503020" y="1944303"/>
+            <a:off x="1503020" y="953704"/>
             <a:ext cx="589823" cy="341697"/>
           </a:xfrm>
           <a:prstGeom prst="bentConnector2">
@@ -5086,7 +4946,7 @@
         </p:nvCxnSpPr>
         <p:spPr>
           <a:xfrm rot="16200000" flipH="1">
-            <a:off x="2226110" y="3058040"/>
+            <a:off x="2226110" y="2067441"/>
             <a:ext cx="554704" cy="174673"/>
           </a:xfrm>
           <a:prstGeom prst="bentConnector2">
@@ -5127,7 +4987,7 @@
         </p:nvCxnSpPr>
         <p:spPr>
           <a:xfrm rot="5400000">
-            <a:off x="4205956" y="1766207"/>
+            <a:off x="4205956" y="775608"/>
             <a:ext cx="804221" cy="1843806"/>
           </a:xfrm>
           <a:prstGeom prst="bentConnector2">
@@ -5161,6 +5021,7 @@
         <p:nvCxnSpPr>
           <p:cNvPr id="137" name="Elbow Connector 136"/>
           <p:cNvCxnSpPr>
+            <a:cxnSpLocks/>
             <a:stCxn id="36" idx="2"/>
             <a:endCxn id="37" idx="1"/>
           </p:cNvCxnSpPr>
@@ -5168,8 +5029,8 @@
         </p:nvCxnSpPr>
         <p:spPr>
           <a:xfrm rot="16200000" flipH="1">
-            <a:off x="3430123" y="3938021"/>
-            <a:ext cx="118421" cy="699979"/>
+            <a:off x="3443629" y="2724935"/>
+            <a:ext cx="191428" cy="599960"/>
           </a:xfrm>
           <a:prstGeom prst="bentConnector2">
             <a:avLst/>
@@ -5202,6 +5063,7 @@
         <p:nvCxnSpPr>
           <p:cNvPr id="140" name="Elbow Connector 63"/>
           <p:cNvCxnSpPr>
+            <a:cxnSpLocks/>
             <a:stCxn id="16" idx="3"/>
             <a:endCxn id="36" idx="3"/>
           </p:cNvCxnSpPr>
@@ -5209,8 +5071,8 @@
         </p:nvCxnSpPr>
         <p:spPr>
           <a:xfrm rot="5400000">
-            <a:off x="3695875" y="2276286"/>
-            <a:ext cx="1824381" cy="1843808"/>
+            <a:off x="3950556" y="1231046"/>
+            <a:ext cx="1515058" cy="1643769"/>
           </a:xfrm>
           <a:prstGeom prst="bentConnector2">
             <a:avLst/>
@@ -5247,7 +5109,7 @@
         </p:nvSpPr>
         <p:spPr>
           <a:xfrm>
-            <a:off x="5422048" y="2339335"/>
+            <a:off x="5422048" y="1348736"/>
             <a:ext cx="229325" cy="166560"/>
           </a:xfrm>
           <a:prstGeom prst="rect">
@@ -5300,7 +5162,7 @@
         </p:nvSpPr>
         <p:spPr>
           <a:xfrm>
-            <a:off x="3186477" y="2405681"/>
+            <a:off x="3186477" y="1415082"/>
             <a:ext cx="3537529" cy="45719"/>
           </a:xfrm>
           <a:custGeom>
@@ -5382,7 +5244,7 @@
         </p:nvSpPr>
         <p:spPr>
           <a:xfrm>
-            <a:off x="5431573" y="4488138"/>
+            <a:off x="5431573" y="3497539"/>
             <a:ext cx="229325" cy="160062"/>
           </a:xfrm>
           <a:prstGeom prst="rect">
@@ -5435,8 +5297,756 @@
         </p:nvSpPr>
         <p:spPr>
           <a:xfrm flipV="1">
-            <a:off x="4114799" y="4472708"/>
-            <a:ext cx="2642195" cy="101600"/>
+            <a:off x="4373047" y="3193636"/>
+            <a:ext cx="2383947" cy="390073"/>
+          </a:xfrm>
+          <a:custGeom>
+            <a:avLst/>
+            <a:gdLst>
+              <a:gd name="connsiteX0" fmla="*/ 0 w 3048000"/>
+              <a:gd name="connsiteY0" fmla="*/ 203200 h 203200"/>
+              <a:gd name="connsiteX1" fmla="*/ 221673 w 3048000"/>
+              <a:gd name="connsiteY1" fmla="*/ 0 h 203200"/>
+              <a:gd name="connsiteX2" fmla="*/ 3048000 w 3048000"/>
+              <a:gd name="connsiteY2" fmla="*/ 0 h 203200"/>
+            </a:gdLst>
+            <a:ahLst/>
+            <a:cxnLst>
+              <a:cxn ang="0">
+                <a:pos x="connsiteX0" y="connsiteY0"/>
+              </a:cxn>
+              <a:cxn ang="0">
+                <a:pos x="connsiteX1" y="connsiteY1"/>
+              </a:cxn>
+              <a:cxn ang="0">
+                <a:pos x="connsiteX2" y="connsiteY2"/>
+              </a:cxn>
+            </a:cxnLst>
+            <a:rect l="l" t="t" r="r" b="b"/>
+            <a:pathLst>
+              <a:path w="3048000" h="203200">
+                <a:moveTo>
+                  <a:pt x="0" y="203200"/>
+                </a:moveTo>
+                <a:lnTo>
+                  <a:pt x="221673" y="0"/>
+                </a:lnTo>
+                <a:lnTo>
+                  <a:pt x="3048000" y="0"/>
+                </a:lnTo>
+              </a:path>
+            </a:pathLst>
+          </a:custGeom>
+          <a:noFill/>
+          <a:ln w="19050">
+            <a:solidFill>
+              <a:schemeClr val="accent3"/>
+            </a:solidFill>
+            <a:prstDash val="sysDot"/>
+            <a:headEnd type="none" w="med" len="med"/>
+            <a:tailEnd type="arrow" w="med" len="med"/>
+          </a:ln>
+          <a:effectLst/>
+        </p:spPr>
+        <p:style>
+          <a:lnRef idx="1">
+            <a:schemeClr val="accent2"/>
+          </a:lnRef>
+          <a:fillRef idx="2">
+            <a:schemeClr val="accent2"/>
+          </a:fillRef>
+          <a:effectRef idx="1">
+            <a:schemeClr val="accent2"/>
+          </a:effectRef>
+          <a:fontRef idx="minor">
+            <a:schemeClr val="dk1"/>
+          </a:fontRef>
+        </p:style>
+        <p:txBody>
+          <a:bodyPr rtlCol="0" anchor="ctr"/>
+          <a:lstStyle/>
+          <a:p>
+            <a:pPr algn="ctr"/>
+            <a:endParaRPr lang="en-SG"/>
+          </a:p>
+        </p:txBody>
+      </p:sp>
+      <p:sp>
+        <p:nvSpPr>
+          <p:cNvPr id="69" name="Rectangle 11">
+            <a:extLst>
+              <a:ext uri="{FF2B5EF4-FFF2-40B4-BE49-F238E27FC236}">
+                <a16:creationId xmlns:a16="http://schemas.microsoft.com/office/drawing/2014/main" id="{B848A626-90EC-4D76-BE56-7DE1A9F51913}"/>
+              </a:ext>
+            </a:extLst>
+          </p:cNvPr>
+          <p:cNvSpPr/>
+          <p:nvPr/>
+        </p:nvSpPr>
+        <p:spPr>
+          <a:xfrm>
+            <a:off x="2597725" y="3390012"/>
+            <a:ext cx="1293674" cy="237485"/>
+          </a:xfrm>
+          <a:prstGeom prst="rect">
+            <a:avLst/>
+          </a:prstGeom>
+          <a:ln w="19050">
+            <a:solidFill>
+              <a:schemeClr val="accent3"/>
+            </a:solidFill>
+          </a:ln>
+          <a:effectLst/>
+        </p:spPr>
+        <p:style>
+          <a:lnRef idx="1">
+            <a:schemeClr val="accent3"/>
+          </a:lnRef>
+          <a:fillRef idx="2">
+            <a:schemeClr val="accent3"/>
+          </a:fillRef>
+          <a:effectRef idx="1">
+            <a:schemeClr val="accent3"/>
+          </a:effectRef>
+          <a:fontRef idx="minor">
+            <a:schemeClr val="dk1"/>
+          </a:fontRef>
+        </p:style>
+        <p:txBody>
+          <a:bodyPr rtlCol="0" anchor="ctr"/>
+          <a:lstStyle/>
+          <a:p>
+            <a:pPr algn="ctr"/>
+            <a:r>
+              <a:rPr lang="en-US" sz="1050" b="1" dirty="0" err="1">
+                <a:solidFill>
+                  <a:schemeClr val="accent3">
+                    <a:lumMod val="75000"/>
+                  </a:schemeClr>
+                </a:solidFill>
+              </a:rPr>
+              <a:t>BeneficaryListPanel</a:t>
+            </a:r>
+            <a:endParaRPr lang="en-SG" sz="1050" b="1" dirty="0">
+              <a:solidFill>
+                <a:schemeClr val="accent3">
+                  <a:lumMod val="75000"/>
+                </a:schemeClr>
+              </a:solidFill>
+            </a:endParaRPr>
+          </a:p>
+        </p:txBody>
+      </p:sp>
+      <p:cxnSp>
+        <p:nvCxnSpPr>
+          <p:cNvPr id="49" name="Connector: Elbow 48">
+            <a:extLst>
+              <a:ext uri="{FF2B5EF4-FFF2-40B4-BE49-F238E27FC236}">
+                <a16:creationId xmlns:a16="http://schemas.microsoft.com/office/drawing/2014/main" id="{1B9064E8-936A-4EE4-A2DE-6AC9A581392B}"/>
+              </a:ext>
+            </a:extLst>
+          </p:cNvPr>
+          <p:cNvCxnSpPr>
+            <a:cxnSpLocks/>
+            <a:stCxn id="39" idx="2"/>
+            <a:endCxn id="69" idx="1"/>
+          </p:cNvCxnSpPr>
+          <p:nvPr/>
+        </p:nvCxnSpPr>
+        <p:spPr>
+          <a:xfrm rot="16200000" flipH="1">
+            <a:off x="1691261" y="2602290"/>
+            <a:ext cx="1631329" cy="181599"/>
+          </a:xfrm>
+          <a:prstGeom prst="bentConnector2">
+            <a:avLst/>
+          </a:prstGeom>
+          <a:ln w="19050" cap="flat" cmpd="sng" algn="ctr">
+            <a:solidFill>
+              <a:schemeClr val="accent3"/>
+            </a:solidFill>
+            <a:prstDash val="solid"/>
+            <a:round/>
+            <a:headEnd type="none" w="med" len="med"/>
+            <a:tailEnd type="arrow" w="med" len="med"/>
+          </a:ln>
+        </p:spPr>
+        <p:style>
+          <a:lnRef idx="0">
+            <a:scrgbClr r="0" g="0" b="0"/>
+          </a:lnRef>
+          <a:fillRef idx="0">
+            <a:scrgbClr r="0" g="0" b="0"/>
+          </a:fillRef>
+          <a:effectRef idx="0">
+            <a:scrgbClr r="0" g="0" b="0"/>
+          </a:effectRef>
+          <a:fontRef idx="minor">
+            <a:schemeClr val="tx1"/>
+          </a:fontRef>
+        </p:style>
+      </p:cxnSp>
+      <p:sp>
+        <p:nvSpPr>
+          <p:cNvPr id="79" name="Rectangle 11">
+            <a:extLst>
+              <a:ext uri="{FF2B5EF4-FFF2-40B4-BE49-F238E27FC236}">
+                <a16:creationId xmlns:a16="http://schemas.microsoft.com/office/drawing/2014/main" id="{736ACC3E-261E-48C5-A488-6A7B9F5D244C}"/>
+              </a:ext>
+            </a:extLst>
+          </p:cNvPr>
+          <p:cNvSpPr/>
+          <p:nvPr/>
+        </p:nvSpPr>
+        <p:spPr>
+          <a:xfrm>
+            <a:off x="3876045" y="3772843"/>
+            <a:ext cx="1040906" cy="236841"/>
+          </a:xfrm>
+          <a:prstGeom prst="rect">
+            <a:avLst/>
+          </a:prstGeom>
+          <a:ln w="19050">
+            <a:solidFill>
+              <a:schemeClr val="accent3"/>
+            </a:solidFill>
+          </a:ln>
+          <a:effectLst/>
+        </p:spPr>
+        <p:style>
+          <a:lnRef idx="1">
+            <a:schemeClr val="accent3"/>
+          </a:lnRef>
+          <a:fillRef idx="2">
+            <a:schemeClr val="accent3"/>
+          </a:fillRef>
+          <a:effectRef idx="1">
+            <a:schemeClr val="accent3"/>
+          </a:effectRef>
+          <a:fontRef idx="minor">
+            <a:schemeClr val="dk1"/>
+          </a:fontRef>
+        </p:style>
+        <p:txBody>
+          <a:bodyPr rtlCol="0" anchor="ctr"/>
+          <a:lstStyle/>
+          <a:p>
+            <a:pPr algn="ctr"/>
+            <a:r>
+              <a:rPr lang="en-US" sz="1050" b="1" dirty="0" err="1">
+                <a:solidFill>
+                  <a:schemeClr val="accent3">
+                    <a:lumMod val="75000"/>
+                  </a:schemeClr>
+                </a:solidFill>
+              </a:rPr>
+              <a:t>BeneficaryCard</a:t>
+            </a:r>
+            <a:endParaRPr lang="en-SG" sz="1050" b="1" dirty="0">
+              <a:solidFill>
+                <a:schemeClr val="accent3">
+                  <a:lumMod val="75000"/>
+                </a:schemeClr>
+              </a:solidFill>
+            </a:endParaRPr>
+          </a:p>
+        </p:txBody>
+      </p:sp>
+      <p:cxnSp>
+        <p:nvCxnSpPr>
+          <p:cNvPr id="80" name="Elbow Connector 136">
+            <a:extLst>
+              <a:ext uri="{FF2B5EF4-FFF2-40B4-BE49-F238E27FC236}">
+                <a16:creationId xmlns:a16="http://schemas.microsoft.com/office/drawing/2014/main" id="{59F799F1-4994-48F7-8BF5-F41CA536E61C}"/>
+              </a:ext>
+            </a:extLst>
+          </p:cNvPr>
+          <p:cNvCxnSpPr>
+            <a:cxnSpLocks/>
+            <a:stCxn id="69" idx="2"/>
+            <a:endCxn id="79" idx="1"/>
+          </p:cNvCxnSpPr>
+          <p:nvPr/>
+        </p:nvCxnSpPr>
+        <p:spPr>
+          <a:xfrm rot="16200000" flipH="1">
+            <a:off x="3428420" y="3443638"/>
+            <a:ext cx="263767" cy="631483"/>
+          </a:xfrm>
+          <a:prstGeom prst="bentConnector2">
+            <a:avLst/>
+          </a:prstGeom>
+          <a:ln w="19050">
+            <a:solidFill>
+              <a:schemeClr val="accent3"/>
+            </a:solidFill>
+            <a:headEnd type="none" w="med" len="med"/>
+            <a:tailEnd type="arrow" w="med" len="med"/>
+          </a:ln>
+          <a:effectLst/>
+        </p:spPr>
+        <p:style>
+          <a:lnRef idx="1">
+            <a:schemeClr val="accent2"/>
+          </a:lnRef>
+          <a:fillRef idx="2">
+            <a:schemeClr val="accent2"/>
+          </a:fillRef>
+          <a:effectRef idx="1">
+            <a:schemeClr val="accent2"/>
+          </a:effectRef>
+          <a:fontRef idx="minor">
+            <a:schemeClr val="dk1"/>
+          </a:fontRef>
+        </p:style>
+      </p:cxnSp>
+      <p:sp>
+        <p:nvSpPr>
+          <p:cNvPr id="105" name="Rectangle 11">
+            <a:extLst>
+              <a:ext uri="{FF2B5EF4-FFF2-40B4-BE49-F238E27FC236}">
+                <a16:creationId xmlns:a16="http://schemas.microsoft.com/office/drawing/2014/main" id="{1B4E6B5B-ABAE-4BF8-813F-50E0E8879441}"/>
+              </a:ext>
+            </a:extLst>
+          </p:cNvPr>
+          <p:cNvSpPr/>
+          <p:nvPr/>
+        </p:nvSpPr>
+        <p:spPr>
+          <a:xfrm>
+            <a:off x="3875724" y="4481640"/>
+            <a:ext cx="1040906" cy="236841"/>
+          </a:xfrm>
+          <a:prstGeom prst="rect">
+            <a:avLst/>
+          </a:prstGeom>
+          <a:ln w="19050">
+            <a:solidFill>
+              <a:schemeClr val="accent3"/>
+            </a:solidFill>
+          </a:ln>
+          <a:effectLst/>
+        </p:spPr>
+        <p:style>
+          <a:lnRef idx="1">
+            <a:schemeClr val="accent3"/>
+          </a:lnRef>
+          <a:fillRef idx="2">
+            <a:schemeClr val="accent3"/>
+          </a:fillRef>
+          <a:effectRef idx="1">
+            <a:schemeClr val="accent3"/>
+          </a:effectRef>
+          <a:fontRef idx="minor">
+            <a:schemeClr val="dk1"/>
+          </a:fontRef>
+        </p:style>
+        <p:txBody>
+          <a:bodyPr rtlCol="0" anchor="ctr"/>
+          <a:lstStyle/>
+          <a:p>
+            <a:pPr algn="ctr"/>
+            <a:r>
+              <a:rPr lang="en-US" sz="1050" b="1" dirty="0" err="1">
+                <a:solidFill>
+                  <a:schemeClr val="accent3">
+                    <a:lumMod val="75000"/>
+                  </a:schemeClr>
+                </a:solidFill>
+              </a:rPr>
+              <a:t>ProjectCard</a:t>
+            </a:r>
+            <a:endParaRPr lang="en-SG" sz="1050" b="1" dirty="0">
+              <a:solidFill>
+                <a:schemeClr val="accent3">
+                  <a:lumMod val="75000"/>
+                </a:schemeClr>
+              </a:solidFill>
+            </a:endParaRPr>
+          </a:p>
+        </p:txBody>
+      </p:sp>
+      <p:sp>
+        <p:nvSpPr>
+          <p:cNvPr id="106" name="Rectangle 11">
+            <a:extLst>
+              <a:ext uri="{FF2B5EF4-FFF2-40B4-BE49-F238E27FC236}">
+                <a16:creationId xmlns:a16="http://schemas.microsoft.com/office/drawing/2014/main" id="{C7DB2B6D-477A-4FC7-98CC-FC12688A115B}"/>
+              </a:ext>
+            </a:extLst>
+          </p:cNvPr>
+          <p:cNvSpPr/>
+          <p:nvPr/>
+        </p:nvSpPr>
+        <p:spPr>
+          <a:xfrm>
+            <a:off x="2582050" y="4145621"/>
+            <a:ext cx="1293674" cy="237485"/>
+          </a:xfrm>
+          <a:prstGeom prst="rect">
+            <a:avLst/>
+          </a:prstGeom>
+          <a:ln w="19050">
+            <a:solidFill>
+              <a:schemeClr val="accent3"/>
+            </a:solidFill>
+          </a:ln>
+          <a:effectLst/>
+        </p:spPr>
+        <p:style>
+          <a:lnRef idx="1">
+            <a:schemeClr val="accent3"/>
+          </a:lnRef>
+          <a:fillRef idx="2">
+            <a:schemeClr val="accent3"/>
+          </a:fillRef>
+          <a:effectRef idx="1">
+            <a:schemeClr val="accent3"/>
+          </a:effectRef>
+          <a:fontRef idx="minor">
+            <a:schemeClr val="dk1"/>
+          </a:fontRef>
+        </p:style>
+        <p:txBody>
+          <a:bodyPr rtlCol="0" anchor="ctr"/>
+          <a:lstStyle/>
+          <a:p>
+            <a:pPr algn="ctr"/>
+            <a:r>
+              <a:rPr lang="en-US" sz="1050" b="1" dirty="0" err="1">
+                <a:solidFill>
+                  <a:schemeClr val="accent3">
+                    <a:lumMod val="75000"/>
+                  </a:schemeClr>
+                </a:solidFill>
+              </a:rPr>
+              <a:t>ProjectListPanel</a:t>
+            </a:r>
+            <a:endParaRPr lang="en-SG" sz="1050" b="1" dirty="0">
+              <a:solidFill>
+                <a:schemeClr val="accent3">
+                  <a:lumMod val="75000"/>
+                </a:schemeClr>
+              </a:solidFill>
+            </a:endParaRPr>
+          </a:p>
+        </p:txBody>
+      </p:sp>
+      <p:cxnSp>
+        <p:nvCxnSpPr>
+          <p:cNvPr id="108" name="Elbow Connector 136">
+            <a:extLst>
+              <a:ext uri="{FF2B5EF4-FFF2-40B4-BE49-F238E27FC236}">
+                <a16:creationId xmlns:a16="http://schemas.microsoft.com/office/drawing/2014/main" id="{047FDFD1-3FDA-45DF-B077-5A3E26749138}"/>
+              </a:ext>
+            </a:extLst>
+          </p:cNvPr>
+          <p:cNvCxnSpPr>
+            <a:cxnSpLocks/>
+            <a:stCxn id="106" idx="2"/>
+            <a:endCxn id="105" idx="1"/>
+          </p:cNvCxnSpPr>
+          <p:nvPr/>
+        </p:nvCxnSpPr>
+        <p:spPr>
+          <a:xfrm rot="16200000" flipH="1">
+            <a:off x="3443828" y="4168164"/>
+            <a:ext cx="216955" cy="646837"/>
+          </a:xfrm>
+          <a:prstGeom prst="bentConnector2">
+            <a:avLst/>
+          </a:prstGeom>
+          <a:ln w="19050">
+            <a:solidFill>
+              <a:schemeClr val="accent3"/>
+            </a:solidFill>
+            <a:headEnd type="none" w="med" len="med"/>
+            <a:tailEnd type="arrow" w="med" len="med"/>
+          </a:ln>
+          <a:effectLst/>
+        </p:spPr>
+        <p:style>
+          <a:lnRef idx="1">
+            <a:schemeClr val="accent2"/>
+          </a:lnRef>
+          <a:fillRef idx="2">
+            <a:schemeClr val="accent2"/>
+          </a:fillRef>
+          <a:effectRef idx="1">
+            <a:schemeClr val="accent2"/>
+          </a:effectRef>
+          <a:fontRef idx="minor">
+            <a:schemeClr val="dk1"/>
+          </a:fontRef>
+        </p:style>
+      </p:cxnSp>
+      <p:cxnSp>
+        <p:nvCxnSpPr>
+          <p:cNvPr id="109" name="Connector: Elbow 108">
+            <a:extLst>
+              <a:ext uri="{FF2B5EF4-FFF2-40B4-BE49-F238E27FC236}">
+                <a16:creationId xmlns:a16="http://schemas.microsoft.com/office/drawing/2014/main" id="{CAF7633A-9020-4C0D-BB69-4CB7E3FA663E}"/>
+              </a:ext>
+            </a:extLst>
+          </p:cNvPr>
+          <p:cNvCxnSpPr>
+            <a:cxnSpLocks/>
+            <a:stCxn id="39" idx="2"/>
+            <a:endCxn id="106" idx="1"/>
+          </p:cNvCxnSpPr>
+          <p:nvPr/>
+        </p:nvCxnSpPr>
+        <p:spPr>
+          <a:xfrm rot="16200000" flipH="1">
+            <a:off x="1305619" y="2987933"/>
+            <a:ext cx="2386938" cy="165924"/>
+          </a:xfrm>
+          <a:prstGeom prst="bentConnector2">
+            <a:avLst/>
+          </a:prstGeom>
+          <a:ln w="19050" cap="flat" cmpd="sng" algn="ctr">
+            <a:solidFill>
+              <a:schemeClr val="accent3"/>
+            </a:solidFill>
+            <a:prstDash val="solid"/>
+            <a:round/>
+            <a:headEnd type="none" w="med" len="med"/>
+            <a:tailEnd type="arrow" w="med" len="med"/>
+          </a:ln>
+        </p:spPr>
+        <p:style>
+          <a:lnRef idx="0">
+            <a:scrgbClr r="0" g="0" b="0"/>
+          </a:lnRef>
+          <a:fillRef idx="0">
+            <a:scrgbClr r="0" g="0" b="0"/>
+          </a:fillRef>
+          <a:effectRef idx="0">
+            <a:scrgbClr r="0" g="0" b="0"/>
+          </a:effectRef>
+          <a:fontRef idx="minor">
+            <a:schemeClr val="tx1"/>
+          </a:fontRef>
+        </p:style>
+      </p:cxnSp>
+      <p:sp>
+        <p:nvSpPr>
+          <p:cNvPr id="133" name="Rectangle 11">
+            <a:extLst>
+              <a:ext uri="{FF2B5EF4-FFF2-40B4-BE49-F238E27FC236}">
+                <a16:creationId xmlns:a16="http://schemas.microsoft.com/office/drawing/2014/main" id="{E4482EE7-DD26-4EC8-A3CF-2E8C4C8E5C0F}"/>
+              </a:ext>
+            </a:extLst>
+          </p:cNvPr>
+          <p:cNvSpPr/>
+          <p:nvPr/>
+        </p:nvSpPr>
+        <p:spPr>
+          <a:xfrm>
+            <a:off x="3848792" y="4962976"/>
+            <a:ext cx="1061486" cy="236841"/>
+          </a:xfrm>
+          <a:prstGeom prst="rect">
+            <a:avLst/>
+          </a:prstGeom>
+          <a:ln w="19050">
+            <a:solidFill>
+              <a:schemeClr val="accent3"/>
+            </a:solidFill>
+          </a:ln>
+          <a:effectLst/>
+        </p:spPr>
+        <p:style>
+          <a:lnRef idx="1">
+            <a:schemeClr val="accent3"/>
+          </a:lnRef>
+          <a:fillRef idx="2">
+            <a:schemeClr val="accent3"/>
+          </a:fillRef>
+          <a:effectRef idx="1">
+            <a:schemeClr val="accent3"/>
+          </a:effectRef>
+          <a:fontRef idx="minor">
+            <a:schemeClr val="dk1"/>
+          </a:fontRef>
+        </p:style>
+        <p:txBody>
+          <a:bodyPr rtlCol="0" anchor="ctr"/>
+          <a:lstStyle/>
+          <a:p>
+            <a:pPr algn="ctr"/>
+            <a:r>
+              <a:rPr lang="en-US" sz="1050" b="1" dirty="0">
+                <a:solidFill>
+                  <a:schemeClr val="accent3">
+                    <a:lumMod val="75000"/>
+                  </a:schemeClr>
+                </a:solidFill>
+              </a:rPr>
+              <a:t>Calendar</a:t>
+            </a:r>
+            <a:endParaRPr lang="en-SG" sz="1050" b="1" dirty="0">
+              <a:solidFill>
+                <a:schemeClr val="accent3">
+                  <a:lumMod val="75000"/>
+                </a:schemeClr>
+              </a:solidFill>
+            </a:endParaRPr>
+          </a:p>
+        </p:txBody>
+      </p:sp>
+      <p:cxnSp>
+        <p:nvCxnSpPr>
+          <p:cNvPr id="138" name="Elbow Connector 136">
+            <a:extLst>
+              <a:ext uri="{FF2B5EF4-FFF2-40B4-BE49-F238E27FC236}">
+                <a16:creationId xmlns:a16="http://schemas.microsoft.com/office/drawing/2014/main" id="{5794AD80-95E5-4E20-9067-1F7330428B48}"/>
+              </a:ext>
+            </a:extLst>
+          </p:cNvPr>
+          <p:cNvCxnSpPr>
+            <a:cxnSpLocks/>
+            <a:stCxn id="106" idx="2"/>
+            <a:endCxn id="133" idx="1"/>
+          </p:cNvCxnSpPr>
+          <p:nvPr/>
+        </p:nvCxnSpPr>
+        <p:spPr>
+          <a:xfrm rot="16200000" flipH="1">
+            <a:off x="3189694" y="4422298"/>
+            <a:ext cx="698291" cy="619905"/>
+          </a:xfrm>
+          <a:prstGeom prst="bentConnector2">
+            <a:avLst/>
+          </a:prstGeom>
+          <a:ln w="19050">
+            <a:solidFill>
+              <a:schemeClr val="accent3"/>
+            </a:solidFill>
+            <a:headEnd type="none" w="med" len="med"/>
+            <a:tailEnd type="arrow" w="med" len="med"/>
+          </a:ln>
+          <a:effectLst/>
+        </p:spPr>
+        <p:style>
+          <a:lnRef idx="1">
+            <a:schemeClr val="accent2"/>
+          </a:lnRef>
+          <a:fillRef idx="2">
+            <a:schemeClr val="accent2"/>
+          </a:fillRef>
+          <a:effectRef idx="1">
+            <a:schemeClr val="accent2"/>
+          </a:effectRef>
+          <a:fontRef idx="minor">
+            <a:schemeClr val="dk1"/>
+          </a:fontRef>
+        </p:style>
+      </p:cxnSp>
+      <p:sp>
+        <p:nvSpPr>
+          <p:cNvPr id="147" name="Freeform 117">
+            <a:extLst>
+              <a:ext uri="{FF2B5EF4-FFF2-40B4-BE49-F238E27FC236}">
+                <a16:creationId xmlns:a16="http://schemas.microsoft.com/office/drawing/2014/main" id="{C0DEBD47-F3D9-4254-93BF-D25F1DD4B89C}"/>
+              </a:ext>
+            </a:extLst>
+          </p:cNvPr>
+          <p:cNvSpPr/>
+          <p:nvPr/>
+        </p:nvSpPr>
+        <p:spPr>
+          <a:xfrm flipV="1">
+            <a:off x="4381113" y="4025479"/>
+            <a:ext cx="2375882" cy="139486"/>
+          </a:xfrm>
+          <a:custGeom>
+            <a:avLst/>
+            <a:gdLst>
+              <a:gd name="connsiteX0" fmla="*/ 0 w 3048000"/>
+              <a:gd name="connsiteY0" fmla="*/ 203200 h 203200"/>
+              <a:gd name="connsiteX1" fmla="*/ 221673 w 3048000"/>
+              <a:gd name="connsiteY1" fmla="*/ 0 h 203200"/>
+              <a:gd name="connsiteX2" fmla="*/ 3048000 w 3048000"/>
+              <a:gd name="connsiteY2" fmla="*/ 0 h 203200"/>
+            </a:gdLst>
+            <a:ahLst/>
+            <a:cxnLst>
+              <a:cxn ang="0">
+                <a:pos x="connsiteX0" y="connsiteY0"/>
+              </a:cxn>
+              <a:cxn ang="0">
+                <a:pos x="connsiteX1" y="connsiteY1"/>
+              </a:cxn>
+              <a:cxn ang="0">
+                <a:pos x="connsiteX2" y="connsiteY2"/>
+              </a:cxn>
+            </a:cxnLst>
+            <a:rect l="l" t="t" r="r" b="b"/>
+            <a:pathLst>
+              <a:path w="3048000" h="203200">
+                <a:moveTo>
+                  <a:pt x="0" y="203200"/>
+                </a:moveTo>
+                <a:lnTo>
+                  <a:pt x="221673" y="0"/>
+                </a:lnTo>
+                <a:lnTo>
+                  <a:pt x="3048000" y="0"/>
+                </a:lnTo>
+              </a:path>
+            </a:pathLst>
+          </a:custGeom>
+          <a:noFill/>
+          <a:ln w="19050">
+            <a:solidFill>
+              <a:schemeClr val="accent3"/>
+            </a:solidFill>
+            <a:prstDash val="sysDot"/>
+            <a:headEnd type="none" w="med" len="med"/>
+            <a:tailEnd type="arrow" w="med" len="med"/>
+          </a:ln>
+          <a:effectLst/>
+        </p:spPr>
+        <p:style>
+          <a:lnRef idx="1">
+            <a:schemeClr val="accent2"/>
+          </a:lnRef>
+          <a:fillRef idx="2">
+            <a:schemeClr val="accent2"/>
+          </a:fillRef>
+          <a:effectRef idx="1">
+            <a:schemeClr val="accent2"/>
+          </a:effectRef>
+          <a:fontRef idx="minor">
+            <a:schemeClr val="dk1"/>
+          </a:fontRef>
+        </p:style>
+        <p:txBody>
+          <a:bodyPr rtlCol="0" anchor="ctr"/>
+          <a:lstStyle/>
+          <a:p>
+            <a:pPr algn="ctr"/>
+            <a:endParaRPr lang="en-SG"/>
+          </a:p>
+        </p:txBody>
+      </p:sp>
+      <p:sp>
+        <p:nvSpPr>
+          <p:cNvPr id="148" name="Freeform 117">
+            <a:extLst>
+              <a:ext uri="{FF2B5EF4-FFF2-40B4-BE49-F238E27FC236}">
+                <a16:creationId xmlns:a16="http://schemas.microsoft.com/office/drawing/2014/main" id="{3F105D3C-9A39-4E4D-9B4B-553AFE81A636}"/>
+              </a:ext>
+            </a:extLst>
+          </p:cNvPr>
+          <p:cNvSpPr/>
+          <p:nvPr/>
+        </p:nvSpPr>
+        <p:spPr>
+          <a:xfrm flipV="1">
+            <a:off x="4330275" y="4695375"/>
+            <a:ext cx="2405241" cy="121640"/>
           </a:xfrm>
           <a:custGeom>
             <a:avLst/>
